--- a/docs/developer/use cases/IEDB export/2010 - vancouver.pptx
+++ b/docs/developer/use cases/IEDB export/2010 - vancouver.pptx
@@ -5,7 +5,7 @@
     <p:sldMasterId id="2147483648" r:id="rId1"/>
   </p:sldMasterIdLst>
   <p:notesMasterIdLst>
-    <p:notesMasterId r:id="rId14"/>
+    <p:notesMasterId r:id="rId17"/>
   </p:notesMasterIdLst>
   <p:sldIdLst>
     <p:sldId id="256" r:id="rId2"/>
@@ -20,6 +20,9 @@
     <p:sldId id="266" r:id="rId11"/>
     <p:sldId id="265" r:id="rId12"/>
     <p:sldId id="267" r:id="rId13"/>
+    <p:sldId id="268" r:id="rId14"/>
+    <p:sldId id="270" r:id="rId15"/>
+    <p:sldId id="271" r:id="rId16"/>
   </p:sldIdLst>
   <p:sldSz cx="9144000" cy="6858000" type="screen4x3"/>
   <p:notesSz cx="6858000" cy="9144000"/>
@@ -203,7 +206,8 @@
           <a:p>
             <a:fld id="{D553E9F3-A71F-441A-BA96-9A512F42ED18}" type="datetimeFigureOut">
               <a:rPr lang="en-US" smtClean="0"/>
-              <a:t>3/9/2010</a:t>
+              <a:pPr/>
+              <a:t>3/23/2010</a:t>
             </a:fld>
             <a:endParaRPr lang="en-US"/>
           </a:p>
@@ -364,6 +368,7 @@
           <a:p>
             <a:fld id="{11251DE5-D4ED-4302-B8DF-B76D2B697918}" type="slidenum">
               <a:rPr lang="en-US" smtClean="0"/>
+              <a:pPr/>
               <a:t>‹#›</a:t>
             </a:fld>
             <a:endParaRPr lang="en-US"/>
@@ -515,7 +520,7 @@
         <p:nvSpPr>
           <p:cNvPr id="23555" name="Rectangle 2"/>
           <p:cNvSpPr>
-            <a:spLocks noChangeArrowheads="1" noTextEdit="1"/>
+            <a:spLocks noGrp="1" noRot="1" noChangeAspect="1" noChangeArrowheads="1" noTextEdit="1"/>
           </p:cNvSpPr>
           <p:nvPr>
             <p:ph type="sldImg"/>
@@ -744,7 +749,7 @@
             <a:fld id="{1D8BD707-D9CF-40AE-B4C6-C98DA3205C09}" type="datetimeFigureOut">
               <a:rPr lang="en-US" smtClean="0"/>
               <a:pPr/>
-              <a:t>3/9/2010</a:t>
+              <a:t>3/23/2010</a:t>
             </a:fld>
             <a:endParaRPr lang="en-US"/>
           </a:p>
@@ -911,7 +916,7 @@
             <a:fld id="{1D8BD707-D9CF-40AE-B4C6-C98DA3205C09}" type="datetimeFigureOut">
               <a:rPr lang="en-US" smtClean="0"/>
               <a:pPr/>
-              <a:t>3/9/2010</a:t>
+              <a:t>3/23/2010</a:t>
             </a:fld>
             <a:endParaRPr lang="en-US"/>
           </a:p>
@@ -1088,7 +1093,7 @@
             <a:fld id="{1D8BD707-D9CF-40AE-B4C6-C98DA3205C09}" type="datetimeFigureOut">
               <a:rPr lang="en-US" smtClean="0"/>
               <a:pPr/>
-              <a:t>3/9/2010</a:t>
+              <a:t>3/23/2010</a:t>
             </a:fld>
             <a:endParaRPr lang="en-US"/>
           </a:p>
@@ -1255,7 +1260,7 @@
             <a:fld id="{1D8BD707-D9CF-40AE-B4C6-C98DA3205C09}" type="datetimeFigureOut">
               <a:rPr lang="en-US" smtClean="0"/>
               <a:pPr/>
-              <a:t>3/9/2010</a:t>
+              <a:t>3/23/2010</a:t>
             </a:fld>
             <a:endParaRPr lang="en-US"/>
           </a:p>
@@ -1498,7 +1503,7 @@
             <a:fld id="{1D8BD707-D9CF-40AE-B4C6-C98DA3205C09}" type="datetimeFigureOut">
               <a:rPr lang="en-US" smtClean="0"/>
               <a:pPr/>
-              <a:t>3/9/2010</a:t>
+              <a:t>3/23/2010</a:t>
             </a:fld>
             <a:endParaRPr lang="en-US"/>
           </a:p>
@@ -1783,7 +1788,7 @@
             <a:fld id="{1D8BD707-D9CF-40AE-B4C6-C98DA3205C09}" type="datetimeFigureOut">
               <a:rPr lang="en-US" smtClean="0"/>
               <a:pPr/>
-              <a:t>3/9/2010</a:t>
+              <a:t>3/23/2010</a:t>
             </a:fld>
             <a:endParaRPr lang="en-US"/>
           </a:p>
@@ -2202,7 +2207,7 @@
             <a:fld id="{1D8BD707-D9CF-40AE-B4C6-C98DA3205C09}" type="datetimeFigureOut">
               <a:rPr lang="en-US" smtClean="0"/>
               <a:pPr/>
-              <a:t>3/9/2010</a:t>
+              <a:t>3/23/2010</a:t>
             </a:fld>
             <a:endParaRPr lang="en-US"/>
           </a:p>
@@ -2317,7 +2322,7 @@
             <a:fld id="{1D8BD707-D9CF-40AE-B4C6-C98DA3205C09}" type="datetimeFigureOut">
               <a:rPr lang="en-US" smtClean="0"/>
               <a:pPr/>
-              <a:t>3/9/2010</a:t>
+              <a:t>3/23/2010</a:t>
             </a:fld>
             <a:endParaRPr lang="en-US"/>
           </a:p>
@@ -2409,7 +2414,7 @@
             <a:fld id="{1D8BD707-D9CF-40AE-B4C6-C98DA3205C09}" type="datetimeFigureOut">
               <a:rPr lang="en-US" smtClean="0"/>
               <a:pPr/>
-              <a:t>3/9/2010</a:t>
+              <a:t>3/23/2010</a:t>
             </a:fld>
             <a:endParaRPr lang="en-US"/>
           </a:p>
@@ -2683,7 +2688,7 @@
             <a:fld id="{1D8BD707-D9CF-40AE-B4C6-C98DA3205C09}" type="datetimeFigureOut">
               <a:rPr lang="en-US" smtClean="0"/>
               <a:pPr/>
-              <a:t>3/9/2010</a:t>
+              <a:t>3/23/2010</a:t>
             </a:fld>
             <a:endParaRPr lang="en-US"/>
           </a:p>
@@ -2933,7 +2938,7 @@
             <a:fld id="{1D8BD707-D9CF-40AE-B4C6-C98DA3205C09}" type="datetimeFigureOut">
               <a:rPr lang="en-US" smtClean="0"/>
               <a:pPr/>
-              <a:t>3/9/2010</a:t>
+              <a:t>3/23/2010</a:t>
             </a:fld>
             <a:endParaRPr lang="en-US"/>
           </a:p>
@@ -3143,7 +3148,7 @@
             <a:fld id="{1D8BD707-D9CF-40AE-B4C6-C98DA3205C09}" type="datetimeFigureOut">
               <a:rPr lang="en-US" smtClean="0"/>
               <a:pPr/>
-              <a:t>3/9/2010</a:t>
+              <a:t>3/23/2010</a:t>
             </a:fld>
             <a:endParaRPr lang="en-US"/>
           </a:p>
@@ -4133,12 +4138,12 @@
           <a:lstStyle/>
           <a:p>
             <a:r>
-              <a:rPr lang="en-US" dirty="0" smtClean="0">
+              <a:rPr lang="en-US" b="1" dirty="0" smtClean="0">
                 <a:sym typeface="Wingdings" pitchFamily="2" charset="2"/>
               </a:rPr>
               <a:t> Switch to spreadsheet.</a:t>
             </a:r>
-            <a:endParaRPr lang="en-US" dirty="0"/>
+            <a:endParaRPr lang="en-US" b="1" dirty="0"/>
           </a:p>
         </p:txBody>
       </p:sp>
@@ -4317,6 +4322,414 @@
       <p:bldP spid="12" grpId="0" animBg="1"/>
     </p:bldLst>
   </p:timing>
+</p:sld>
+</file>
+
+<file path=ppt/slides/slide13.xml><?xml version="1.0" encoding="utf-8"?>
+<p:sld xmlns:a="http://schemas.openxmlformats.org/drawingml/2006/main" xmlns:r="http://schemas.openxmlformats.org/officeDocument/2006/relationships" xmlns:p="http://schemas.openxmlformats.org/presentationml/2006/main">
+  <p:cSld>
+    <p:spTree>
+      <p:nvGrpSpPr>
+        <p:cNvPr id="1" name=""/>
+        <p:cNvGrpSpPr/>
+        <p:nvPr/>
+      </p:nvGrpSpPr>
+      <p:grpSpPr>
+        <a:xfrm>
+          <a:off x="0" y="0"/>
+          <a:ext cx="0" cy="0"/>
+          <a:chOff x="0" y="0"/>
+          <a:chExt cx="0" cy="0"/>
+        </a:xfrm>
+      </p:grpSpPr>
+      <p:sp>
+        <p:nvSpPr>
+          <p:cNvPr id="2" name="Title 1"/>
+          <p:cNvSpPr>
+            <a:spLocks noGrp="1"/>
+          </p:cNvSpPr>
+          <p:nvPr>
+            <p:ph type="title"/>
+          </p:nvPr>
+        </p:nvSpPr>
+        <p:spPr/>
+        <p:txBody>
+          <a:bodyPr/>
+          <a:lstStyle/>
+          <a:p>
+            <a:endParaRPr lang="en-US"/>
+          </a:p>
+        </p:txBody>
+      </p:sp>
+      <p:sp>
+        <p:nvSpPr>
+          <p:cNvPr id="3" name="Content Placeholder 2"/>
+          <p:cNvSpPr>
+            <a:spLocks noGrp="1"/>
+          </p:cNvSpPr>
+          <p:nvPr>
+            <p:ph idx="1"/>
+          </p:nvPr>
+        </p:nvSpPr>
+        <p:spPr/>
+        <p:txBody>
+          <a:bodyPr/>
+          <a:lstStyle/>
+          <a:p>
+            <a:endParaRPr lang="en-US"/>
+          </a:p>
+        </p:txBody>
+      </p:sp>
+    </p:spTree>
+  </p:cSld>
+  <p:clrMapOvr>
+    <a:masterClrMapping/>
+  </p:clrMapOvr>
+</p:sld>
+</file>
+
+<file path=ppt/slides/slide14.xml><?xml version="1.0" encoding="utf-8"?>
+<p:sld xmlns:a="http://schemas.openxmlformats.org/drawingml/2006/main" xmlns:r="http://schemas.openxmlformats.org/officeDocument/2006/relationships" xmlns:p="http://schemas.openxmlformats.org/presentationml/2006/main">
+  <p:cSld>
+    <p:spTree>
+      <p:nvGrpSpPr>
+        <p:cNvPr id="1" name=""/>
+        <p:cNvGrpSpPr/>
+        <p:nvPr/>
+      </p:nvGrpSpPr>
+      <p:grpSpPr>
+        <a:xfrm>
+          <a:off x="0" y="0"/>
+          <a:ext cx="0" cy="0"/>
+          <a:chOff x="0" y="0"/>
+          <a:chExt cx="0" cy="0"/>
+        </a:xfrm>
+      </p:grpSpPr>
+      <p:sp>
+        <p:nvSpPr>
+          <p:cNvPr id="2" name="Title 1"/>
+          <p:cNvSpPr>
+            <a:spLocks noGrp="1"/>
+          </p:cNvSpPr>
+          <p:nvPr>
+            <p:ph type="title"/>
+          </p:nvPr>
+        </p:nvSpPr>
+        <p:spPr>
+          <a:xfrm>
+            <a:off x="457200" y="0"/>
+            <a:ext cx="8229600" cy="1143000"/>
+          </a:xfrm>
+        </p:spPr>
+        <p:txBody>
+          <a:bodyPr>
+            <a:normAutofit fontScale="90000"/>
+          </a:bodyPr>
+          <a:lstStyle/>
+          <a:p>
+            <a:r>
+              <a:rPr lang="en-US" dirty="0" smtClean="0"/>
+              <a:t>Need: ‘efficacy of treatment assays’</a:t>
+            </a:r>
+            <a:endParaRPr lang="en-US" dirty="0"/>
+          </a:p>
+        </p:txBody>
+      </p:sp>
+      <p:sp>
+        <p:nvSpPr>
+          <p:cNvPr id="3" name="Content Placeholder 2"/>
+          <p:cNvSpPr>
+            <a:spLocks noGrp="1"/>
+          </p:cNvSpPr>
+          <p:nvPr>
+            <p:ph idx="1"/>
+          </p:nvPr>
+        </p:nvSpPr>
+        <p:spPr>
+          <a:xfrm>
+            <a:off x="457200" y="1066800"/>
+            <a:ext cx="8229600" cy="4525963"/>
+          </a:xfrm>
+        </p:spPr>
+        <p:txBody>
+          <a:bodyPr>
+            <a:normAutofit fontScale="92500" lnSpcReduction="20000"/>
+          </a:bodyPr>
+          <a:lstStyle/>
+          <a:p>
+            <a:pPr marL="514350" indent="-514350">
+              <a:buFont typeface="+mj-lt"/>
+              <a:buAutoNum type="arabicPeriod"/>
+            </a:pPr>
+            <a:r>
+              <a:rPr lang="en-US" sz="2400" dirty="0" smtClean="0"/>
+              <a:t>two groups of patient with disease X</a:t>
+            </a:r>
+          </a:p>
+          <a:p>
+            <a:pPr marL="514350" indent="-514350">
+              <a:buFont typeface="+mj-lt"/>
+              <a:buAutoNum type="arabicPeriod"/>
+            </a:pPr>
+            <a:r>
+              <a:rPr lang="en-US" sz="2400" dirty="0" smtClean="0"/>
+              <a:t>administer group 1 with drug Y</a:t>
+            </a:r>
+          </a:p>
+          <a:p>
+            <a:pPr marL="514350" indent="-514350">
+              <a:buFont typeface="+mj-lt"/>
+              <a:buAutoNum type="arabicPeriod"/>
+            </a:pPr>
+            <a:r>
+              <a:rPr lang="en-US" sz="2400" dirty="0" smtClean="0"/>
+              <a:t>do nothing with group 2</a:t>
+            </a:r>
+          </a:p>
+          <a:p>
+            <a:pPr marL="514350" indent="-514350">
+              <a:buFont typeface="+mj-lt"/>
+              <a:buAutoNum type="arabicPeriod"/>
+            </a:pPr>
+            <a:r>
+              <a:rPr lang="en-US" sz="2400" dirty="0" smtClean="0"/>
+              <a:t>compare signs &amp; symptoms of disease between groups</a:t>
+            </a:r>
+          </a:p>
+          <a:p>
+            <a:pPr marL="514350" indent="-514350">
+              <a:buFont typeface="+mj-lt"/>
+              <a:buAutoNum type="arabicPeriod"/>
+            </a:pPr>
+            <a:r>
+              <a:rPr lang="en-US" sz="2400" dirty="0" smtClean="0"/>
+              <a:t>conclude ‘treatment’ (2) reduces disease severity</a:t>
+            </a:r>
+          </a:p>
+          <a:p>
+            <a:pPr marL="514350" indent="-514350">
+              <a:buNone/>
+            </a:pPr>
+            <a:endParaRPr lang="en-US" sz="2400" dirty="0" smtClean="0"/>
+          </a:p>
+          <a:p>
+            <a:pPr marL="514350" indent="-514350">
+              <a:buNone/>
+            </a:pPr>
+            <a:r>
+              <a:rPr lang="en-US" sz="2400" dirty="0" smtClean="0"/>
+              <a:t>Study design vs. assay plan specification ? </a:t>
+            </a:r>
+          </a:p>
+          <a:p>
+            <a:pPr marL="514350" indent="-514350">
+              <a:buNone/>
+            </a:pPr>
+            <a:endParaRPr lang="en-US" sz="2400" dirty="0" smtClean="0"/>
+          </a:p>
+          <a:p>
+            <a:pPr marL="514350" indent="-514350">
+              <a:buFont typeface="Wingdings"/>
+              <a:buChar char="à"/>
+            </a:pPr>
+            <a:r>
+              <a:rPr lang="en-US" sz="2400" dirty="0" smtClean="0">
+                <a:sym typeface="Wingdings" pitchFamily="2" charset="2"/>
+              </a:rPr>
+              <a:t>Need to identify ‘treatment’, ‘reference’  </a:t>
+            </a:r>
+            <a:br>
+              <a:rPr lang="en-US" sz="2400" dirty="0" smtClean="0">
+                <a:sym typeface="Wingdings" pitchFamily="2" charset="2"/>
+              </a:rPr>
+            </a:br>
+            <a:r>
+              <a:rPr lang="en-US" sz="2400" dirty="0" smtClean="0">
+                <a:sym typeface="Wingdings" pitchFamily="2" charset="2"/>
+              </a:rPr>
+              <a:t>(independent variable in ‘intervention design’)</a:t>
+            </a:r>
+          </a:p>
+          <a:p>
+            <a:pPr marL="514350" indent="-514350">
+              <a:buFont typeface="Wingdings"/>
+              <a:buChar char="à"/>
+            </a:pPr>
+            <a:r>
+              <a:rPr lang="en-US" sz="2400" dirty="0" smtClean="0">
+                <a:sym typeface="Wingdings" pitchFamily="2" charset="2"/>
+              </a:rPr>
+              <a:t>Need assay to evaluate signs &amp; symptoms of disease </a:t>
+            </a:r>
+            <a:br>
+              <a:rPr lang="en-US" sz="2400" dirty="0" smtClean="0">
+                <a:sym typeface="Wingdings" pitchFamily="2" charset="2"/>
+              </a:rPr>
+            </a:br>
+            <a:r>
+              <a:rPr lang="en-US" sz="2400" dirty="0" smtClean="0">
+                <a:sym typeface="Wingdings" pitchFamily="2" charset="2"/>
+              </a:rPr>
+              <a:t>(dependent variable,  assessed by performance of clinical diagnosis)</a:t>
+            </a:r>
+          </a:p>
+          <a:p>
+            <a:pPr marL="514350" indent="-514350">
+              <a:buFont typeface="Wingdings"/>
+              <a:buChar char="à"/>
+            </a:pPr>
+            <a:r>
+              <a:rPr lang="en-US" sz="2400" dirty="0" smtClean="0">
+                <a:sym typeface="Wingdings" pitchFamily="2" charset="2"/>
+              </a:rPr>
+              <a:t>Specifically: reduction in number of infectious agents (=sign)</a:t>
+            </a:r>
+          </a:p>
+          <a:p>
+            <a:pPr marL="514350" indent="-514350">
+              <a:buFont typeface="Wingdings"/>
+              <a:buChar char="à"/>
+            </a:pPr>
+            <a:endParaRPr lang="en-US" sz="2400" dirty="0" smtClean="0">
+              <a:sym typeface="Wingdings" pitchFamily="2" charset="2"/>
+            </a:endParaRPr>
+          </a:p>
+          <a:p>
+            <a:pPr marL="514350" indent="-514350">
+              <a:buFont typeface="Wingdings"/>
+              <a:buChar char="à"/>
+            </a:pPr>
+            <a:endParaRPr lang="en-US" sz="2400" dirty="0"/>
+          </a:p>
+        </p:txBody>
+      </p:sp>
+    </p:spTree>
+  </p:cSld>
+  <p:clrMapOvr>
+    <a:masterClrMapping/>
+  </p:clrMapOvr>
+</p:sld>
+</file>
+
+<file path=ppt/slides/slide15.xml><?xml version="1.0" encoding="utf-8"?>
+<p:sld xmlns:a="http://schemas.openxmlformats.org/drawingml/2006/main" xmlns:r="http://schemas.openxmlformats.org/officeDocument/2006/relationships" xmlns:p="http://schemas.openxmlformats.org/presentationml/2006/main">
+  <p:cSld>
+    <p:spTree>
+      <p:nvGrpSpPr>
+        <p:cNvPr id="1" name=""/>
+        <p:cNvGrpSpPr/>
+        <p:nvPr/>
+      </p:nvGrpSpPr>
+      <p:grpSpPr>
+        <a:xfrm>
+          <a:off x="0" y="0"/>
+          <a:ext cx="0" cy="0"/>
+          <a:chOff x="0" y="0"/>
+          <a:chExt cx="0" cy="0"/>
+        </a:xfrm>
+      </p:grpSpPr>
+      <p:sp>
+        <p:nvSpPr>
+          <p:cNvPr id="2" name="Title 1"/>
+          <p:cNvSpPr>
+            <a:spLocks noGrp="1"/>
+          </p:cNvSpPr>
+          <p:nvPr>
+            <p:ph type="title"/>
+          </p:nvPr>
+        </p:nvSpPr>
+        <p:spPr/>
+        <p:txBody>
+          <a:bodyPr/>
+          <a:lstStyle/>
+          <a:p>
+            <a:r>
+              <a:rPr lang="en-US" dirty="0" smtClean="0"/>
+              <a:t>in vivo, in vitro</a:t>
+            </a:r>
+            <a:endParaRPr lang="en-US" dirty="0"/>
+          </a:p>
+        </p:txBody>
+      </p:sp>
+      <p:sp>
+        <p:nvSpPr>
+          <p:cNvPr id="3" name="Content Placeholder 2"/>
+          <p:cNvSpPr>
+            <a:spLocks noGrp="1"/>
+          </p:cNvSpPr>
+          <p:nvPr>
+            <p:ph idx="1"/>
+          </p:nvPr>
+        </p:nvSpPr>
+        <p:spPr/>
+        <p:txBody>
+          <a:bodyPr>
+            <a:normAutofit lnSpcReduction="10000"/>
+          </a:bodyPr>
+          <a:lstStyle/>
+          <a:p>
+            <a:r>
+              <a:rPr lang="en-US" sz="2800" dirty="0" smtClean="0"/>
+              <a:t>in vivo cell killing assay vs. in vitro cell killing assay</a:t>
+            </a:r>
+          </a:p>
+          <a:p>
+            <a:r>
+              <a:rPr lang="en-US" sz="2800" dirty="0" smtClean="0"/>
+              <a:t>proposal, define ‘in vivo’, ‘in vitro’ in general as types of processes</a:t>
+            </a:r>
+          </a:p>
+          <a:p>
+            <a:pPr lvl="1"/>
+            <a:r>
+              <a:rPr lang="en-US" sz="2400" dirty="0" smtClean="0"/>
+              <a:t>in organism assay: an assay in which a measurement is made by observing entities located in an organism. </a:t>
+            </a:r>
+            <a:br>
+              <a:rPr lang="en-US" sz="2400" dirty="0" smtClean="0"/>
+            </a:br>
+            <a:r>
+              <a:rPr lang="en-US" sz="2400" dirty="0" smtClean="0"/>
+              <a:t>alt-term: in vivo</a:t>
+            </a:r>
+          </a:p>
+          <a:p>
+            <a:pPr lvl="1"/>
+            <a:r>
+              <a:rPr lang="en-US" sz="2400" dirty="0" smtClean="0"/>
+              <a:t>in cell assay: an assay in which a measurement </a:t>
+            </a:r>
+            <a:r>
+              <a:rPr lang="en-US" sz="2400" dirty="0" smtClean="0"/>
+              <a:t>is made by observing entities </a:t>
+            </a:r>
+            <a:r>
+              <a:rPr lang="en-US" sz="2400" dirty="0" smtClean="0"/>
+              <a:t>located in a cell.</a:t>
+            </a:r>
+            <a:br>
+              <a:rPr lang="en-US" sz="2400" dirty="0" smtClean="0"/>
+            </a:br>
+            <a:r>
+              <a:rPr lang="en-US" sz="2400" dirty="0" smtClean="0"/>
+              <a:t>alt-term: some communities: in vivo, other communities in vitro</a:t>
+            </a:r>
+          </a:p>
+          <a:p>
+            <a:pPr lvl="1"/>
+            <a:r>
+              <a:rPr lang="en-US" sz="2400" dirty="0" smtClean="0"/>
+              <a:t>in container assay:  </a:t>
+            </a:r>
+            <a:endParaRPr lang="en-US" sz="2400" dirty="0"/>
+          </a:p>
+        </p:txBody>
+      </p:sp>
+    </p:spTree>
+  </p:cSld>
+  <p:clrMapOvr>
+    <a:masterClrMapping/>
+  </p:clrMapOvr>
 </p:sld>
 </file>
 
@@ -6743,7 +7156,6 @@
               <a:rPr lang="en-US" sz="2400" dirty="0" smtClean="0"/>
               <a:t>Current focus: T cell assays</a:t>
             </a:r>
-            <a:endParaRPr lang="en-US" sz="2400" dirty="0" smtClean="0"/>
           </a:p>
           <a:p>
             <a:pPr algn="ctr"/>

--- a/docs/developer/use cases/IEDB export/2010 - vancouver.pptx
+++ b/docs/developer/use cases/IEDB export/2010 - vancouver.pptx
@@ -207,7 +207,7 @@
             <a:fld id="{D553E9F3-A71F-441A-BA96-9A512F42ED18}" type="datetimeFigureOut">
               <a:rPr lang="en-US" smtClean="0"/>
               <a:pPr/>
-              <a:t>3/23/2010</a:t>
+              <a:t>3/24/2010</a:t>
             </a:fld>
             <a:endParaRPr lang="en-US"/>
           </a:p>
@@ -749,7 +749,7 @@
             <a:fld id="{1D8BD707-D9CF-40AE-B4C6-C98DA3205C09}" type="datetimeFigureOut">
               <a:rPr lang="en-US" smtClean="0"/>
               <a:pPr/>
-              <a:t>3/23/2010</a:t>
+              <a:t>3/24/2010</a:t>
             </a:fld>
             <a:endParaRPr lang="en-US"/>
           </a:p>
@@ -916,7 +916,7 @@
             <a:fld id="{1D8BD707-D9CF-40AE-B4C6-C98DA3205C09}" type="datetimeFigureOut">
               <a:rPr lang="en-US" smtClean="0"/>
               <a:pPr/>
-              <a:t>3/23/2010</a:t>
+              <a:t>3/24/2010</a:t>
             </a:fld>
             <a:endParaRPr lang="en-US"/>
           </a:p>
@@ -1093,7 +1093,7 @@
             <a:fld id="{1D8BD707-D9CF-40AE-B4C6-C98DA3205C09}" type="datetimeFigureOut">
               <a:rPr lang="en-US" smtClean="0"/>
               <a:pPr/>
-              <a:t>3/23/2010</a:t>
+              <a:t>3/24/2010</a:t>
             </a:fld>
             <a:endParaRPr lang="en-US"/>
           </a:p>
@@ -1260,7 +1260,7 @@
             <a:fld id="{1D8BD707-D9CF-40AE-B4C6-C98DA3205C09}" type="datetimeFigureOut">
               <a:rPr lang="en-US" smtClean="0"/>
               <a:pPr/>
-              <a:t>3/23/2010</a:t>
+              <a:t>3/24/2010</a:t>
             </a:fld>
             <a:endParaRPr lang="en-US"/>
           </a:p>
@@ -1503,7 +1503,7 @@
             <a:fld id="{1D8BD707-D9CF-40AE-B4C6-C98DA3205C09}" type="datetimeFigureOut">
               <a:rPr lang="en-US" smtClean="0"/>
               <a:pPr/>
-              <a:t>3/23/2010</a:t>
+              <a:t>3/24/2010</a:t>
             </a:fld>
             <a:endParaRPr lang="en-US"/>
           </a:p>
@@ -1788,7 +1788,7 @@
             <a:fld id="{1D8BD707-D9CF-40AE-B4C6-C98DA3205C09}" type="datetimeFigureOut">
               <a:rPr lang="en-US" smtClean="0"/>
               <a:pPr/>
-              <a:t>3/23/2010</a:t>
+              <a:t>3/24/2010</a:t>
             </a:fld>
             <a:endParaRPr lang="en-US"/>
           </a:p>
@@ -2207,7 +2207,7 @@
             <a:fld id="{1D8BD707-D9CF-40AE-B4C6-C98DA3205C09}" type="datetimeFigureOut">
               <a:rPr lang="en-US" smtClean="0"/>
               <a:pPr/>
-              <a:t>3/23/2010</a:t>
+              <a:t>3/24/2010</a:t>
             </a:fld>
             <a:endParaRPr lang="en-US"/>
           </a:p>
@@ -2322,7 +2322,7 @@
             <a:fld id="{1D8BD707-D9CF-40AE-B4C6-C98DA3205C09}" type="datetimeFigureOut">
               <a:rPr lang="en-US" smtClean="0"/>
               <a:pPr/>
-              <a:t>3/23/2010</a:t>
+              <a:t>3/24/2010</a:t>
             </a:fld>
             <a:endParaRPr lang="en-US"/>
           </a:p>
@@ -2414,7 +2414,7 @@
             <a:fld id="{1D8BD707-D9CF-40AE-B4C6-C98DA3205C09}" type="datetimeFigureOut">
               <a:rPr lang="en-US" smtClean="0"/>
               <a:pPr/>
-              <a:t>3/23/2010</a:t>
+              <a:t>3/24/2010</a:t>
             </a:fld>
             <a:endParaRPr lang="en-US"/>
           </a:p>
@@ -2688,7 +2688,7 @@
             <a:fld id="{1D8BD707-D9CF-40AE-B4C6-C98DA3205C09}" type="datetimeFigureOut">
               <a:rPr lang="en-US" smtClean="0"/>
               <a:pPr/>
-              <a:t>3/23/2010</a:t>
+              <a:t>3/24/2010</a:t>
             </a:fld>
             <a:endParaRPr lang="en-US"/>
           </a:p>
@@ -2938,7 +2938,7 @@
             <a:fld id="{1D8BD707-D9CF-40AE-B4C6-C98DA3205C09}" type="datetimeFigureOut">
               <a:rPr lang="en-US" smtClean="0"/>
               <a:pPr/>
-              <a:t>3/23/2010</a:t>
+              <a:t>3/24/2010</a:t>
             </a:fld>
             <a:endParaRPr lang="en-US"/>
           </a:p>
@@ -3148,7 +3148,7 @@
             <a:fld id="{1D8BD707-D9CF-40AE-B4C6-C98DA3205C09}" type="datetimeFigureOut">
               <a:rPr lang="en-US" smtClean="0"/>
               <a:pPr/>
-              <a:t>3/23/2010</a:t>
+              <a:t>3/24/2010</a:t>
             </a:fld>
             <a:endParaRPr lang="en-US"/>
           </a:p>
@@ -4608,6 +4608,13 @@
   <p:clrMapOvr>
     <a:masterClrMapping/>
   </p:clrMapOvr>
+  <p:timing>
+    <p:tnLst>
+      <p:par>
+        <p:cTn id="1" dur="indefinite" restart="never" nodeType="tmRoot"/>
+      </p:par>
+    </p:tnLst>
+  </p:timing>
 </p:sld>
 </file>
 
@@ -4683,7 +4690,15 @@
             <a:pPr lvl="1"/>
             <a:r>
               <a:rPr lang="en-US" sz="2400" dirty="0" smtClean="0"/>
-              <a:t>in organism assay: an assay in which a measurement is made by observing entities located in an organism. </a:t>
+              <a:t>in </a:t>
+            </a:r>
+            <a:r>
+              <a:rPr lang="en-US" sz="2400" dirty="0" smtClean="0"/>
+              <a:t>live organism </a:t>
+            </a:r>
+            <a:r>
+              <a:rPr lang="en-US" sz="2400" dirty="0" smtClean="0"/>
+              <a:t>assay: an assay in which a measurement is made by observing entities located in an organism. </a:t>
             </a:r>
             <a:br>
               <a:rPr lang="en-US" sz="2400" dirty="0" smtClean="0"/>
@@ -4697,15 +4712,15 @@
             <a:pPr lvl="1"/>
             <a:r>
               <a:rPr lang="en-US" sz="2400" dirty="0" smtClean="0"/>
-              <a:t>in cell assay: an assay in which a measurement </a:t>
+              <a:t>in </a:t>
             </a:r>
             <a:r>
               <a:rPr lang="en-US" sz="2400" dirty="0" smtClean="0"/>
-              <a:t>is made by observing entities </a:t>
+              <a:t>live cell </a:t>
             </a:r>
             <a:r>
               <a:rPr lang="en-US" sz="2400" dirty="0" smtClean="0"/>
-              <a:t>located in a cell.</a:t>
+              <a:t>assay: an assay in which a measurement is made by observing entities located in a cell.</a:t>
             </a:r>
             <a:br>
               <a:rPr lang="en-US" sz="2400" dirty="0" smtClean="0"/>
@@ -4719,7 +4734,15 @@
             <a:pPr lvl="1"/>
             <a:r>
               <a:rPr lang="en-US" sz="2400" dirty="0" smtClean="0"/>
-              <a:t>in container assay:  </a:t>
+              <a:t>in container assay: </a:t>
+            </a:r>
+            <a:r>
+              <a:rPr lang="en-US" sz="2400" dirty="0" smtClean="0"/>
+              <a:t>an assay in which a measurement is made by observing entities located in a </a:t>
+            </a:r>
+            <a:r>
+              <a:rPr lang="en-US" sz="2400" dirty="0" smtClean="0"/>
+              <a:t>container</a:t>
             </a:r>
             <a:endParaRPr lang="en-US" sz="2400" dirty="0"/>
           </a:p>
@@ -4730,6 +4753,13 @@
   <p:clrMapOvr>
     <a:masterClrMapping/>
   </p:clrMapOvr>
+  <p:timing>
+    <p:tnLst>
+      <p:par>
+        <p:cTn id="1" dur="indefinite" restart="never" nodeType="tmRoot"/>
+      </p:par>
+    </p:tnLst>
+  </p:timing>
 </p:sld>
 </file>
 
